--- a/LL/Content/Content.pptx
+++ b/LL/Content/Content.pptx
@@ -5,7 +5,8 @@
     <p:sldMasterId id="2147483648" r:id="rId1"/>
   </p:sldMasterIdLst>
   <p:sldIdLst>
-    <p:sldId id="261" r:id="rId2"/>
+    <p:sldId id="257" r:id="rId2"/>
+    <p:sldId id="261" r:id="rId3"/>
   </p:sldIdLst>
   <p:sldSz cx="12192000" cy="6858000"/>
   <p:notesSz cx="6858000" cy="9144000"/>
@@ -142,6 +143,196 @@
 </p:sldLayout>
 </file>
 
+<file path=ppt/slideLayouts/slideLayout2.xml><?xml version="1.0" encoding="utf-8"?>
+<p:sldLayout xmlns:a="http://schemas.openxmlformats.org/drawingml/2006/main" xmlns:r="http://schemas.openxmlformats.org/officeDocument/2006/relationships" xmlns:p="http://schemas.openxmlformats.org/presentationml/2006/main" type="title">
+  <p:cSld name="1_Title Slide">
+    <p:spTree>
+      <p:nvGrpSpPr>
+        <p:cNvPr id="1" name=""/>
+        <p:cNvGrpSpPr/>
+        <p:nvPr/>
+      </p:nvGrpSpPr>
+      <p:grpSpPr>
+        <a:xfrm>
+          <a:off x="0" y="0"/>
+          <a:ext cx="0" cy="0"/>
+          <a:chOff x="0" y="0"/>
+          <a:chExt cx="0" cy="0"/>
+        </a:xfrm>
+      </p:grpSpPr>
+      <p:sp>
+        <p:nvSpPr>
+          <p:cNvPr id="2" name="Title 1"/>
+          <p:cNvSpPr>
+            <a:spLocks noGrp="1"/>
+          </p:cNvSpPr>
+          <p:nvPr>
+            <p:ph type="ctrTitle"/>
+          </p:nvPr>
+        </p:nvSpPr>
+        <p:spPr>
+          <a:xfrm>
+            <a:off x="1524000" y="1122363"/>
+            <a:ext cx="9144000" cy="2387600"/>
+          </a:xfrm>
+        </p:spPr>
+        <p:txBody>
+          <a:bodyPr anchor="b"/>
+          <a:lstStyle>
+            <a:lvl1pPr algn="ctr">
+              <a:defRPr sz="6000"/>
+            </a:lvl1pPr>
+          </a:lstStyle>
+          <a:p>
+            <a:r>
+              <a:rPr lang="en-US"/>
+              <a:t>Click to edit Master title style</a:t>
+            </a:r>
+          </a:p>
+        </p:txBody>
+      </p:sp>
+      <p:sp>
+        <p:nvSpPr>
+          <p:cNvPr id="3" name="Subtitle 2"/>
+          <p:cNvSpPr>
+            <a:spLocks noGrp="1"/>
+          </p:cNvSpPr>
+          <p:nvPr>
+            <p:ph type="subTitle" idx="1"/>
+          </p:nvPr>
+        </p:nvSpPr>
+        <p:spPr>
+          <a:xfrm>
+            <a:off x="1524000" y="3602038"/>
+            <a:ext cx="9144000" cy="1655762"/>
+          </a:xfrm>
+        </p:spPr>
+        <p:txBody>
+          <a:bodyPr/>
+          <a:lstStyle>
+            <a:lvl1pPr marL="0" indent="0" algn="ctr">
+              <a:buNone/>
+              <a:defRPr sz="2400"/>
+            </a:lvl1pPr>
+            <a:lvl2pPr marL="457200" indent="0" algn="ctr">
+              <a:buNone/>
+              <a:defRPr sz="2000"/>
+            </a:lvl2pPr>
+            <a:lvl3pPr marL="914400" indent="0" algn="ctr">
+              <a:buNone/>
+              <a:defRPr sz="1800"/>
+            </a:lvl3pPr>
+            <a:lvl4pPr marL="1371600" indent="0" algn="ctr">
+              <a:buNone/>
+              <a:defRPr sz="1600"/>
+            </a:lvl4pPr>
+            <a:lvl5pPr marL="1828800" indent="0" algn="ctr">
+              <a:buNone/>
+              <a:defRPr sz="1600"/>
+            </a:lvl5pPr>
+            <a:lvl6pPr marL="2286000" indent="0" algn="ctr">
+              <a:buNone/>
+              <a:defRPr sz="1600"/>
+            </a:lvl6pPr>
+            <a:lvl7pPr marL="2743200" indent="0" algn="ctr">
+              <a:buNone/>
+              <a:defRPr sz="1600"/>
+            </a:lvl7pPr>
+            <a:lvl8pPr marL="3200400" indent="0" algn="ctr">
+              <a:buNone/>
+              <a:defRPr sz="1600"/>
+            </a:lvl8pPr>
+            <a:lvl9pPr marL="3657600" indent="0" algn="ctr">
+              <a:buNone/>
+              <a:defRPr sz="1600"/>
+            </a:lvl9pPr>
+          </a:lstStyle>
+          <a:p>
+            <a:r>
+              <a:rPr lang="en-US"/>
+              <a:t>Click to edit Master subtitle style</a:t>
+            </a:r>
+          </a:p>
+        </p:txBody>
+      </p:sp>
+      <p:sp>
+        <p:nvSpPr>
+          <p:cNvPr id="4" name="Date Placeholder 3"/>
+          <p:cNvSpPr>
+            <a:spLocks noGrp="1"/>
+          </p:cNvSpPr>
+          <p:nvPr>
+            <p:ph type="dt" sz="half" idx="10"/>
+          </p:nvPr>
+        </p:nvSpPr>
+        <p:spPr/>
+        <p:txBody>
+          <a:bodyPr/>
+          <a:lstStyle/>
+          <a:p>
+            <a:fld id="{203F3554-772D-4C5B-A81D-B46EA2C46F36}" type="datetimeFigureOut">
+              <a:rPr lang="en-US" smtClean="0"/>
+              <a:t>21-Jun-23</a:t>
+            </a:fld>
+            <a:endParaRPr lang="en-US"/>
+          </a:p>
+        </p:txBody>
+      </p:sp>
+      <p:sp>
+        <p:nvSpPr>
+          <p:cNvPr id="5" name="Footer Placeholder 4"/>
+          <p:cNvSpPr>
+            <a:spLocks noGrp="1"/>
+          </p:cNvSpPr>
+          <p:nvPr>
+            <p:ph type="ftr" sz="quarter" idx="11"/>
+          </p:nvPr>
+        </p:nvSpPr>
+        <p:spPr/>
+        <p:txBody>
+          <a:bodyPr/>
+          <a:lstStyle/>
+          <a:p>
+            <a:endParaRPr lang="en-US"/>
+          </a:p>
+        </p:txBody>
+      </p:sp>
+      <p:sp>
+        <p:nvSpPr>
+          <p:cNvPr id="6" name="Slide Number Placeholder 5"/>
+          <p:cNvSpPr>
+            <a:spLocks noGrp="1"/>
+          </p:cNvSpPr>
+          <p:nvPr>
+            <p:ph type="sldNum" sz="quarter" idx="12"/>
+          </p:nvPr>
+        </p:nvSpPr>
+        <p:spPr/>
+        <p:txBody>
+          <a:bodyPr/>
+          <a:lstStyle/>
+          <a:p>
+            <a:fld id="{87C6C219-CD10-453E-87EF-2293536EA29C}" type="slidenum">
+              <a:rPr lang="en-US" smtClean="0"/>
+              <a:t>‹#›</a:t>
+            </a:fld>
+            <a:endParaRPr lang="en-US"/>
+          </a:p>
+        </p:txBody>
+      </p:sp>
+    </p:spTree>
+    <p:extLst>
+      <p:ext uri="{BB962C8B-B14F-4D97-AF65-F5344CB8AC3E}">
+        <p14:creationId xmlns:p14="http://schemas.microsoft.com/office/powerpoint/2010/main" val="1666321533"/>
+      </p:ext>
+    </p:extLst>
+  </p:cSld>
+  <p:clrMapOvr>
+    <a:masterClrMapping/>
+  </p:clrMapOvr>
+</p:sldLayout>
+</file>
+
 <file path=ppt/slideMasters/slideMaster1.xml><?xml version="1.0" encoding="utf-8"?>
 <p:sldMaster xmlns:a="http://schemas.openxmlformats.org/drawingml/2006/main" xmlns:r="http://schemas.openxmlformats.org/officeDocument/2006/relationships" xmlns:p="http://schemas.openxmlformats.org/presentationml/2006/main">
   <p:cSld>
@@ -174,6 +365,7 @@
   <p:clrMap bg1="lt1" tx1="dk1" bg2="lt2" tx2="dk2" accent1="accent1" accent2="accent2" accent3="accent3" accent4="accent4" accent5="accent5" accent6="accent6" hlink="hlink" folHlink="folHlink"/>
   <p:sldLayoutIdLst>
     <p:sldLayoutId id="2147483649" r:id="rId1"/>
+    <p:sldLayoutId id="2147483650" r:id="rId2"/>
   </p:sldLayoutIdLst>
   <p:txStyles>
     <p:titleStyle>
@@ -459,6 +651,204 @@
 </file>
 
 <file path=ppt/slides/slide1.xml><?xml version="1.0" encoding="utf-8"?>
+<p:sld xmlns:a="http://schemas.openxmlformats.org/drawingml/2006/main" xmlns:r="http://schemas.openxmlformats.org/officeDocument/2006/relationships" xmlns:p="http://schemas.openxmlformats.org/presentationml/2006/main">
+  <p:cSld>
+    <p:spTree>
+      <p:nvGrpSpPr>
+        <p:cNvPr id="1" name=""/>
+        <p:cNvGrpSpPr/>
+        <p:nvPr/>
+      </p:nvGrpSpPr>
+      <p:grpSpPr>
+        <a:xfrm>
+          <a:off x="0" y="0"/>
+          <a:ext cx="0" cy="0"/>
+          <a:chOff x="0" y="0"/>
+          <a:chExt cx="0" cy="0"/>
+        </a:xfrm>
+      </p:grpSpPr>
+      <p:pic>
+        <p:nvPicPr>
+          <p:cNvPr id="6" name="Picture 5">
+            <a:extLst>
+              <a:ext uri="{FF2B5EF4-FFF2-40B4-BE49-F238E27FC236}">
+                <a16:creationId xmlns:a16="http://schemas.microsoft.com/office/drawing/2014/main" id="{BE564B67-A756-BF59-F3D5-94B86C790466}"/>
+              </a:ext>
+            </a:extLst>
+          </p:cNvPr>
+          <p:cNvPicPr>
+            <a:picLocks noChangeAspect="1"/>
+          </p:cNvPicPr>
+          <p:nvPr/>
+        </p:nvPicPr>
+        <p:blipFill>
+          <a:blip r:embed="rId2" cstate="print">
+            <a:extLst>
+              <a:ext uri="{28A0092B-C50C-407E-A947-70E740481C1C}">
+                <a14:useLocalDpi xmlns:a14="http://schemas.microsoft.com/office/drawing/2010/main" val="0"/>
+              </a:ext>
+            </a:extLst>
+          </a:blip>
+          <a:stretch>
+            <a:fillRect/>
+          </a:stretch>
+        </p:blipFill>
+        <p:spPr>
+          <a:xfrm>
+            <a:off x="3924300" y="2061990"/>
+            <a:ext cx="4343400" cy="1889240"/>
+          </a:xfrm>
+          <a:prstGeom prst="rect">
+            <a:avLst/>
+          </a:prstGeom>
+        </p:spPr>
+      </p:pic>
+      <p:grpSp>
+        <p:nvGrpSpPr>
+          <p:cNvPr id="7" name="Group 6">
+            <a:extLst>
+              <a:ext uri="{FF2B5EF4-FFF2-40B4-BE49-F238E27FC236}">
+                <a16:creationId xmlns:a16="http://schemas.microsoft.com/office/drawing/2014/main" id="{6381B725-4E79-A330-4F35-69D1E92622EA}"/>
+              </a:ext>
+            </a:extLst>
+          </p:cNvPr>
+          <p:cNvGrpSpPr/>
+          <p:nvPr/>
+        </p:nvGrpSpPr>
+        <p:grpSpPr>
+          <a:xfrm>
+            <a:off x="2889795" y="4522490"/>
+            <a:ext cx="6412411" cy="584200"/>
+            <a:chOff x="4080619" y="4700290"/>
+            <a:chExt cx="4107838" cy="584200"/>
+          </a:xfrm>
+        </p:grpSpPr>
+        <p:sp>
+          <p:nvSpPr>
+            <p:cNvPr id="8" name="Rectangle 7">
+              <a:extLst>
+                <a:ext uri="{FF2B5EF4-FFF2-40B4-BE49-F238E27FC236}">
+                  <a16:creationId xmlns:a16="http://schemas.microsoft.com/office/drawing/2014/main" id="{6171CF7D-F6DA-D3A8-1C7B-FA729EFCC2AA}"/>
+                </a:ext>
+              </a:extLst>
+            </p:cNvPr>
+            <p:cNvSpPr/>
+            <p:nvPr/>
+          </p:nvSpPr>
+          <p:spPr>
+            <a:xfrm>
+              <a:off x="4080619" y="4700290"/>
+              <a:ext cx="4107838" cy="584200"/>
+            </a:xfrm>
+            <a:prstGeom prst="rect">
+              <a:avLst/>
+            </a:prstGeom>
+            <a:solidFill>
+              <a:schemeClr val="tx1">
+                <a:lumMod val="85000"/>
+                <a:lumOff val="15000"/>
+              </a:schemeClr>
+            </a:solidFill>
+            <a:ln>
+              <a:noFill/>
+            </a:ln>
+          </p:spPr>
+          <p:style>
+            <a:lnRef idx="2">
+              <a:schemeClr val="accent1">
+                <a:shade val="50000"/>
+              </a:schemeClr>
+            </a:lnRef>
+            <a:fillRef idx="1">
+              <a:schemeClr val="accent1"/>
+            </a:fillRef>
+            <a:effectRef idx="0">
+              <a:schemeClr val="accent1"/>
+            </a:effectRef>
+            <a:fontRef idx="minor">
+              <a:schemeClr val="lt1"/>
+            </a:fontRef>
+          </p:style>
+          <p:txBody>
+            <a:bodyPr rtlCol="0" anchor="ctr"/>
+            <a:lstStyle/>
+            <a:p>
+              <a:pPr algn="ctr"/>
+              <a:endParaRPr lang="en-US" dirty="0">
+                <a:solidFill>
+                  <a:schemeClr val="bg1"/>
+                </a:solidFill>
+              </a:endParaRPr>
+            </a:p>
+          </p:txBody>
+        </p:sp>
+        <p:sp>
+          <p:nvSpPr>
+            <p:cNvPr id="9" name="TextBox 8">
+              <a:extLst>
+                <a:ext uri="{FF2B5EF4-FFF2-40B4-BE49-F238E27FC236}">
+                  <a16:creationId xmlns:a16="http://schemas.microsoft.com/office/drawing/2014/main" id="{1D5DA6E1-A5B1-32FD-3E23-82F9A56632B9}"/>
+                </a:ext>
+              </a:extLst>
+            </p:cNvPr>
+            <p:cNvSpPr txBox="1"/>
+            <p:nvPr/>
+          </p:nvSpPr>
+          <p:spPr>
+            <a:xfrm>
+              <a:off x="5761378" y="4775200"/>
+              <a:ext cx="720059" cy="461665"/>
+            </a:xfrm>
+            <a:prstGeom prst="rect">
+              <a:avLst/>
+            </a:prstGeom>
+            <a:noFill/>
+          </p:spPr>
+          <p:txBody>
+            <a:bodyPr wrap="none" rtlCol="0">
+              <a:spAutoFit/>
+            </a:bodyPr>
+            <a:lstStyle/>
+            <a:p>
+              <a:pPr algn="ctr"/>
+              <a:r>
+                <a:rPr lang="en-GB" sz="2400" b="1" cap="all" spc="-75" dirty="0">
+                  <a:solidFill>
+                    <a:schemeClr val="bg1"/>
+                  </a:solidFill>
+                  <a:latin typeface="Libre Franklin" panose="00000500000000000000" pitchFamily="2" charset="0"/>
+                  <a:ea typeface="Times New Roman" panose="02020603050405020304" pitchFamily="18" charset="0"/>
+                  <a:cs typeface="Poppins" panose="00000500000000000000" pitchFamily="2" charset="0"/>
+                </a:rPr>
+                <a:t>Topic</a:t>
+              </a:r>
+              <a:endParaRPr lang="en-US" sz="2400" cap="all" spc="-75" dirty="0">
+                <a:solidFill>
+                  <a:schemeClr val="bg1"/>
+                </a:solidFill>
+                <a:effectLst/>
+                <a:latin typeface="Libre Franklin" panose="00000500000000000000" pitchFamily="2" charset="0"/>
+                <a:ea typeface="Times New Roman" panose="02020603050405020304" pitchFamily="18" charset="0"/>
+                <a:cs typeface="Poppins" panose="00000500000000000000" pitchFamily="2" charset="0"/>
+              </a:endParaRPr>
+            </a:p>
+          </p:txBody>
+        </p:sp>
+      </p:grpSp>
+    </p:spTree>
+    <p:extLst>
+      <p:ext uri="{BB962C8B-B14F-4D97-AF65-F5344CB8AC3E}">
+        <p14:creationId xmlns:p14="http://schemas.microsoft.com/office/powerpoint/2010/main" val="3323414655"/>
+      </p:ext>
+    </p:extLst>
+  </p:cSld>
+  <p:clrMapOvr>
+    <a:masterClrMapping/>
+  </p:clrMapOvr>
+</p:sld>
+</file>
+
+<file path=ppt/slides/slide2.xml><?xml version="1.0" encoding="utf-8"?>
 <p:sld xmlns:a="http://schemas.openxmlformats.org/drawingml/2006/main" xmlns:r="http://schemas.openxmlformats.org/officeDocument/2006/relationships" xmlns:p="http://schemas.openxmlformats.org/presentationml/2006/main">
   <p:cSld>
     <p:spTree>
@@ -483,8 +873,8 @@
         </p:nvSpPr>
         <p:spPr>
           <a:xfrm>
-            <a:off x="4396509" y="1618109"/>
-            <a:ext cx="6945568" cy="461665"/>
+            <a:off x="3818972" y="1618109"/>
+            <a:ext cx="7523105" cy="461665"/>
           </a:xfrm>
           <a:prstGeom prst="rect">
             <a:avLst/>
@@ -521,8 +911,8 @@
         </p:nvSpPr>
         <p:spPr>
           <a:xfrm>
-            <a:off x="4331852" y="960582"/>
-            <a:ext cx="6602668" cy="480291"/>
+            <a:off x="3754315" y="960582"/>
+            <a:ext cx="7180205" cy="480291"/>
           </a:xfrm>
           <a:prstGeom prst="roundRect">
             <a:avLst/>
@@ -569,8 +959,8 @@
         </p:nvSpPr>
         <p:spPr>
           <a:xfrm>
-            <a:off x="4396509" y="1034472"/>
-            <a:ext cx="6602668" cy="480291"/>
+            <a:off x="3818972" y="1034472"/>
+            <a:ext cx="7180205" cy="480291"/>
           </a:xfrm>
           <a:prstGeom prst="roundRect">
             <a:avLst/>
@@ -610,8 +1000,8 @@
         </p:nvSpPr>
         <p:spPr>
           <a:xfrm>
-            <a:off x="4444357" y="1074562"/>
-            <a:ext cx="2629026" cy="400110"/>
+            <a:off x="3938954" y="1074562"/>
+            <a:ext cx="3134429" cy="400110"/>
           </a:xfrm>
           <a:prstGeom prst="rect">
             <a:avLst/>

--- a/LL/Content/Content.pptx
+++ b/LL/Content/Content.pptx
@@ -5,8 +5,7 @@
     <p:sldMasterId id="2147483648" r:id="rId1"/>
   </p:sldMasterIdLst>
   <p:sldIdLst>
-    <p:sldId id="257" r:id="rId2"/>
-    <p:sldId id="261" r:id="rId3"/>
+    <p:sldId id="261" r:id="rId2"/>
   </p:sldIdLst>
   <p:sldSz cx="12192000" cy="6858000"/>
   <p:notesSz cx="6858000" cy="9144000"/>
@@ -143,196 +142,6 @@
 </p:sldLayout>
 </file>
 
-<file path=ppt/slideLayouts/slideLayout2.xml><?xml version="1.0" encoding="utf-8"?>
-<p:sldLayout xmlns:a="http://schemas.openxmlformats.org/drawingml/2006/main" xmlns:r="http://schemas.openxmlformats.org/officeDocument/2006/relationships" xmlns:p="http://schemas.openxmlformats.org/presentationml/2006/main" type="title">
-  <p:cSld name="1_Title Slide">
-    <p:spTree>
-      <p:nvGrpSpPr>
-        <p:cNvPr id="1" name=""/>
-        <p:cNvGrpSpPr/>
-        <p:nvPr/>
-      </p:nvGrpSpPr>
-      <p:grpSpPr>
-        <a:xfrm>
-          <a:off x="0" y="0"/>
-          <a:ext cx="0" cy="0"/>
-          <a:chOff x="0" y="0"/>
-          <a:chExt cx="0" cy="0"/>
-        </a:xfrm>
-      </p:grpSpPr>
-      <p:sp>
-        <p:nvSpPr>
-          <p:cNvPr id="2" name="Title 1"/>
-          <p:cNvSpPr>
-            <a:spLocks noGrp="1"/>
-          </p:cNvSpPr>
-          <p:nvPr>
-            <p:ph type="ctrTitle"/>
-          </p:nvPr>
-        </p:nvSpPr>
-        <p:spPr>
-          <a:xfrm>
-            <a:off x="1524000" y="1122363"/>
-            <a:ext cx="9144000" cy="2387600"/>
-          </a:xfrm>
-        </p:spPr>
-        <p:txBody>
-          <a:bodyPr anchor="b"/>
-          <a:lstStyle>
-            <a:lvl1pPr algn="ctr">
-              <a:defRPr sz="6000"/>
-            </a:lvl1pPr>
-          </a:lstStyle>
-          <a:p>
-            <a:r>
-              <a:rPr lang="en-US"/>
-              <a:t>Click to edit Master title style</a:t>
-            </a:r>
-          </a:p>
-        </p:txBody>
-      </p:sp>
-      <p:sp>
-        <p:nvSpPr>
-          <p:cNvPr id="3" name="Subtitle 2"/>
-          <p:cNvSpPr>
-            <a:spLocks noGrp="1"/>
-          </p:cNvSpPr>
-          <p:nvPr>
-            <p:ph type="subTitle" idx="1"/>
-          </p:nvPr>
-        </p:nvSpPr>
-        <p:spPr>
-          <a:xfrm>
-            <a:off x="1524000" y="3602038"/>
-            <a:ext cx="9144000" cy="1655762"/>
-          </a:xfrm>
-        </p:spPr>
-        <p:txBody>
-          <a:bodyPr/>
-          <a:lstStyle>
-            <a:lvl1pPr marL="0" indent="0" algn="ctr">
-              <a:buNone/>
-              <a:defRPr sz="2400"/>
-            </a:lvl1pPr>
-            <a:lvl2pPr marL="457200" indent="0" algn="ctr">
-              <a:buNone/>
-              <a:defRPr sz="2000"/>
-            </a:lvl2pPr>
-            <a:lvl3pPr marL="914400" indent="0" algn="ctr">
-              <a:buNone/>
-              <a:defRPr sz="1800"/>
-            </a:lvl3pPr>
-            <a:lvl4pPr marL="1371600" indent="0" algn="ctr">
-              <a:buNone/>
-              <a:defRPr sz="1600"/>
-            </a:lvl4pPr>
-            <a:lvl5pPr marL="1828800" indent="0" algn="ctr">
-              <a:buNone/>
-              <a:defRPr sz="1600"/>
-            </a:lvl5pPr>
-            <a:lvl6pPr marL="2286000" indent="0" algn="ctr">
-              <a:buNone/>
-              <a:defRPr sz="1600"/>
-            </a:lvl6pPr>
-            <a:lvl7pPr marL="2743200" indent="0" algn="ctr">
-              <a:buNone/>
-              <a:defRPr sz="1600"/>
-            </a:lvl7pPr>
-            <a:lvl8pPr marL="3200400" indent="0" algn="ctr">
-              <a:buNone/>
-              <a:defRPr sz="1600"/>
-            </a:lvl8pPr>
-            <a:lvl9pPr marL="3657600" indent="0" algn="ctr">
-              <a:buNone/>
-              <a:defRPr sz="1600"/>
-            </a:lvl9pPr>
-          </a:lstStyle>
-          <a:p>
-            <a:r>
-              <a:rPr lang="en-US"/>
-              <a:t>Click to edit Master subtitle style</a:t>
-            </a:r>
-          </a:p>
-        </p:txBody>
-      </p:sp>
-      <p:sp>
-        <p:nvSpPr>
-          <p:cNvPr id="4" name="Date Placeholder 3"/>
-          <p:cNvSpPr>
-            <a:spLocks noGrp="1"/>
-          </p:cNvSpPr>
-          <p:nvPr>
-            <p:ph type="dt" sz="half" idx="10"/>
-          </p:nvPr>
-        </p:nvSpPr>
-        <p:spPr/>
-        <p:txBody>
-          <a:bodyPr/>
-          <a:lstStyle/>
-          <a:p>
-            <a:fld id="{203F3554-772D-4C5B-A81D-B46EA2C46F36}" type="datetimeFigureOut">
-              <a:rPr lang="en-US" smtClean="0"/>
-              <a:t>21-Jun-23</a:t>
-            </a:fld>
-            <a:endParaRPr lang="en-US"/>
-          </a:p>
-        </p:txBody>
-      </p:sp>
-      <p:sp>
-        <p:nvSpPr>
-          <p:cNvPr id="5" name="Footer Placeholder 4"/>
-          <p:cNvSpPr>
-            <a:spLocks noGrp="1"/>
-          </p:cNvSpPr>
-          <p:nvPr>
-            <p:ph type="ftr" sz="quarter" idx="11"/>
-          </p:nvPr>
-        </p:nvSpPr>
-        <p:spPr/>
-        <p:txBody>
-          <a:bodyPr/>
-          <a:lstStyle/>
-          <a:p>
-            <a:endParaRPr lang="en-US"/>
-          </a:p>
-        </p:txBody>
-      </p:sp>
-      <p:sp>
-        <p:nvSpPr>
-          <p:cNvPr id="6" name="Slide Number Placeholder 5"/>
-          <p:cNvSpPr>
-            <a:spLocks noGrp="1"/>
-          </p:cNvSpPr>
-          <p:nvPr>
-            <p:ph type="sldNum" sz="quarter" idx="12"/>
-          </p:nvPr>
-        </p:nvSpPr>
-        <p:spPr/>
-        <p:txBody>
-          <a:bodyPr/>
-          <a:lstStyle/>
-          <a:p>
-            <a:fld id="{87C6C219-CD10-453E-87EF-2293536EA29C}" type="slidenum">
-              <a:rPr lang="en-US" smtClean="0"/>
-              <a:t>‹#›</a:t>
-            </a:fld>
-            <a:endParaRPr lang="en-US"/>
-          </a:p>
-        </p:txBody>
-      </p:sp>
-    </p:spTree>
-    <p:extLst>
-      <p:ext uri="{BB962C8B-B14F-4D97-AF65-F5344CB8AC3E}">
-        <p14:creationId xmlns:p14="http://schemas.microsoft.com/office/powerpoint/2010/main" val="1666321533"/>
-      </p:ext>
-    </p:extLst>
-  </p:cSld>
-  <p:clrMapOvr>
-    <a:masterClrMapping/>
-  </p:clrMapOvr>
-</p:sldLayout>
-</file>
-
 <file path=ppt/slideMasters/slideMaster1.xml><?xml version="1.0" encoding="utf-8"?>
 <p:sldMaster xmlns:a="http://schemas.openxmlformats.org/drawingml/2006/main" xmlns:r="http://schemas.openxmlformats.org/officeDocument/2006/relationships" xmlns:p="http://schemas.openxmlformats.org/presentationml/2006/main">
   <p:cSld>
@@ -365,7 +174,6 @@
   <p:clrMap bg1="lt1" tx1="dk1" bg2="lt2" tx2="dk2" accent1="accent1" accent2="accent2" accent3="accent3" accent4="accent4" accent5="accent5" accent6="accent6" hlink="hlink" folHlink="folHlink"/>
   <p:sldLayoutIdLst>
     <p:sldLayoutId id="2147483649" r:id="rId1"/>
-    <p:sldLayoutId id="2147483650" r:id="rId2"/>
   </p:sldLayoutIdLst>
   <p:txStyles>
     <p:titleStyle>
@@ -651,204 +459,6 @@
 </file>
 
 <file path=ppt/slides/slide1.xml><?xml version="1.0" encoding="utf-8"?>
-<p:sld xmlns:a="http://schemas.openxmlformats.org/drawingml/2006/main" xmlns:r="http://schemas.openxmlformats.org/officeDocument/2006/relationships" xmlns:p="http://schemas.openxmlformats.org/presentationml/2006/main">
-  <p:cSld>
-    <p:spTree>
-      <p:nvGrpSpPr>
-        <p:cNvPr id="1" name=""/>
-        <p:cNvGrpSpPr/>
-        <p:nvPr/>
-      </p:nvGrpSpPr>
-      <p:grpSpPr>
-        <a:xfrm>
-          <a:off x="0" y="0"/>
-          <a:ext cx="0" cy="0"/>
-          <a:chOff x="0" y="0"/>
-          <a:chExt cx="0" cy="0"/>
-        </a:xfrm>
-      </p:grpSpPr>
-      <p:pic>
-        <p:nvPicPr>
-          <p:cNvPr id="6" name="Picture 5">
-            <a:extLst>
-              <a:ext uri="{FF2B5EF4-FFF2-40B4-BE49-F238E27FC236}">
-                <a16:creationId xmlns:a16="http://schemas.microsoft.com/office/drawing/2014/main" id="{BE564B67-A756-BF59-F3D5-94B86C790466}"/>
-              </a:ext>
-            </a:extLst>
-          </p:cNvPr>
-          <p:cNvPicPr>
-            <a:picLocks noChangeAspect="1"/>
-          </p:cNvPicPr>
-          <p:nvPr/>
-        </p:nvPicPr>
-        <p:blipFill>
-          <a:blip r:embed="rId2" cstate="print">
-            <a:extLst>
-              <a:ext uri="{28A0092B-C50C-407E-A947-70E740481C1C}">
-                <a14:useLocalDpi xmlns:a14="http://schemas.microsoft.com/office/drawing/2010/main" val="0"/>
-              </a:ext>
-            </a:extLst>
-          </a:blip>
-          <a:stretch>
-            <a:fillRect/>
-          </a:stretch>
-        </p:blipFill>
-        <p:spPr>
-          <a:xfrm>
-            <a:off x="3924300" y="2061990"/>
-            <a:ext cx="4343400" cy="1889240"/>
-          </a:xfrm>
-          <a:prstGeom prst="rect">
-            <a:avLst/>
-          </a:prstGeom>
-        </p:spPr>
-      </p:pic>
-      <p:grpSp>
-        <p:nvGrpSpPr>
-          <p:cNvPr id="7" name="Group 6">
-            <a:extLst>
-              <a:ext uri="{FF2B5EF4-FFF2-40B4-BE49-F238E27FC236}">
-                <a16:creationId xmlns:a16="http://schemas.microsoft.com/office/drawing/2014/main" id="{6381B725-4E79-A330-4F35-69D1E92622EA}"/>
-              </a:ext>
-            </a:extLst>
-          </p:cNvPr>
-          <p:cNvGrpSpPr/>
-          <p:nvPr/>
-        </p:nvGrpSpPr>
-        <p:grpSpPr>
-          <a:xfrm>
-            <a:off x="2889795" y="4522490"/>
-            <a:ext cx="6412411" cy="584200"/>
-            <a:chOff x="4080619" y="4700290"/>
-            <a:chExt cx="4107838" cy="584200"/>
-          </a:xfrm>
-        </p:grpSpPr>
-        <p:sp>
-          <p:nvSpPr>
-            <p:cNvPr id="8" name="Rectangle 7">
-              <a:extLst>
-                <a:ext uri="{FF2B5EF4-FFF2-40B4-BE49-F238E27FC236}">
-                  <a16:creationId xmlns:a16="http://schemas.microsoft.com/office/drawing/2014/main" id="{6171CF7D-F6DA-D3A8-1C7B-FA729EFCC2AA}"/>
-                </a:ext>
-              </a:extLst>
-            </p:cNvPr>
-            <p:cNvSpPr/>
-            <p:nvPr/>
-          </p:nvSpPr>
-          <p:spPr>
-            <a:xfrm>
-              <a:off x="4080619" y="4700290"/>
-              <a:ext cx="4107838" cy="584200"/>
-            </a:xfrm>
-            <a:prstGeom prst="rect">
-              <a:avLst/>
-            </a:prstGeom>
-            <a:solidFill>
-              <a:schemeClr val="tx1">
-                <a:lumMod val="85000"/>
-                <a:lumOff val="15000"/>
-              </a:schemeClr>
-            </a:solidFill>
-            <a:ln>
-              <a:noFill/>
-            </a:ln>
-          </p:spPr>
-          <p:style>
-            <a:lnRef idx="2">
-              <a:schemeClr val="accent1">
-                <a:shade val="50000"/>
-              </a:schemeClr>
-            </a:lnRef>
-            <a:fillRef idx="1">
-              <a:schemeClr val="accent1"/>
-            </a:fillRef>
-            <a:effectRef idx="0">
-              <a:schemeClr val="accent1"/>
-            </a:effectRef>
-            <a:fontRef idx="minor">
-              <a:schemeClr val="lt1"/>
-            </a:fontRef>
-          </p:style>
-          <p:txBody>
-            <a:bodyPr rtlCol="0" anchor="ctr"/>
-            <a:lstStyle/>
-            <a:p>
-              <a:pPr algn="ctr"/>
-              <a:endParaRPr lang="en-US" dirty="0">
-                <a:solidFill>
-                  <a:schemeClr val="bg1"/>
-                </a:solidFill>
-              </a:endParaRPr>
-            </a:p>
-          </p:txBody>
-        </p:sp>
-        <p:sp>
-          <p:nvSpPr>
-            <p:cNvPr id="9" name="TextBox 8">
-              <a:extLst>
-                <a:ext uri="{FF2B5EF4-FFF2-40B4-BE49-F238E27FC236}">
-                  <a16:creationId xmlns:a16="http://schemas.microsoft.com/office/drawing/2014/main" id="{1D5DA6E1-A5B1-32FD-3E23-82F9A56632B9}"/>
-                </a:ext>
-              </a:extLst>
-            </p:cNvPr>
-            <p:cNvSpPr txBox="1"/>
-            <p:nvPr/>
-          </p:nvSpPr>
-          <p:spPr>
-            <a:xfrm>
-              <a:off x="5761378" y="4775200"/>
-              <a:ext cx="720059" cy="461665"/>
-            </a:xfrm>
-            <a:prstGeom prst="rect">
-              <a:avLst/>
-            </a:prstGeom>
-            <a:noFill/>
-          </p:spPr>
-          <p:txBody>
-            <a:bodyPr wrap="none" rtlCol="0">
-              <a:spAutoFit/>
-            </a:bodyPr>
-            <a:lstStyle/>
-            <a:p>
-              <a:pPr algn="ctr"/>
-              <a:r>
-                <a:rPr lang="en-GB" sz="2400" b="1" cap="all" spc="-75" dirty="0">
-                  <a:solidFill>
-                    <a:schemeClr val="bg1"/>
-                  </a:solidFill>
-                  <a:latin typeface="Libre Franklin" panose="00000500000000000000" pitchFamily="2" charset="0"/>
-                  <a:ea typeface="Times New Roman" panose="02020603050405020304" pitchFamily="18" charset="0"/>
-                  <a:cs typeface="Poppins" panose="00000500000000000000" pitchFamily="2" charset="0"/>
-                </a:rPr>
-                <a:t>Topic</a:t>
-              </a:r>
-              <a:endParaRPr lang="en-US" sz="2400" cap="all" spc="-75" dirty="0">
-                <a:solidFill>
-                  <a:schemeClr val="bg1"/>
-                </a:solidFill>
-                <a:effectLst/>
-                <a:latin typeface="Libre Franklin" panose="00000500000000000000" pitchFamily="2" charset="0"/>
-                <a:ea typeface="Times New Roman" panose="02020603050405020304" pitchFamily="18" charset="0"/>
-                <a:cs typeface="Poppins" panose="00000500000000000000" pitchFamily="2" charset="0"/>
-              </a:endParaRPr>
-            </a:p>
-          </p:txBody>
-        </p:sp>
-      </p:grpSp>
-    </p:spTree>
-    <p:extLst>
-      <p:ext uri="{BB962C8B-B14F-4D97-AF65-F5344CB8AC3E}">
-        <p14:creationId xmlns:p14="http://schemas.microsoft.com/office/powerpoint/2010/main" val="3323414655"/>
-      </p:ext>
-    </p:extLst>
-  </p:cSld>
-  <p:clrMapOvr>
-    <a:masterClrMapping/>
-  </p:clrMapOvr>
-</p:sld>
-</file>
-
-<file path=ppt/slides/slide2.xml><?xml version="1.0" encoding="utf-8"?>
 <p:sld xmlns:a="http://schemas.openxmlformats.org/drawingml/2006/main" xmlns:r="http://schemas.openxmlformats.org/officeDocument/2006/relationships" xmlns:p="http://schemas.openxmlformats.org/presentationml/2006/main">
   <p:cSld>
     <p:spTree>
